--- a/Project/Chest Pneumonia Detection 4.pptx
+++ b/Project/Chest Pneumonia Detection 4.pptx
@@ -1769,7 +1769,22 @@
       </dgm:t>
     </dgm:pt>
     <dgm:pt modelId="{56CEEA9C-59FF-4E43-9B61-4A2B042662DF}">
-      <dgm:prSet custT="1"/>
+      <dgm:prSet>
+        <dgm:style>
+          <a:lnRef idx="2">
+            <a:schemeClr val="dk1"/>
+          </a:lnRef>
+          <a:fillRef idx="1">
+            <a:schemeClr val="lt1"/>
+          </a:fillRef>
+          <a:effectRef idx="0">
+            <a:schemeClr val="dk1"/>
+          </a:effectRef>
+          <a:fontRef idx="minor">
+            <a:schemeClr val="dk1"/>
+          </a:fontRef>
+        </dgm:style>
+      </dgm:prSet>
       <dgm:spPr>
         <a:noFill/>
       </dgm:spPr>
@@ -1778,10 +1793,10 @@
         <a:lstStyle/>
         <a:p>
           <a:r>
-            <a:rPr lang="en-US" sz="2200" dirty="0"/>
+            <a:rPr lang="en-US" dirty="0"/>
             <a:t>Problem Statement</a:t>
           </a:r>
-          <a:endParaRPr lang="en-IN" sz="2200" dirty="0"/>
+          <a:endParaRPr lang="en-IN" dirty="0"/>
         </a:p>
       </dgm:t>
     </dgm:pt>
@@ -1808,7 +1823,22 @@
       </dgm:t>
     </dgm:pt>
     <dgm:pt modelId="{E5553568-36B2-4417-A1B2-5C8DEEEF2739}">
-      <dgm:prSet custT="1"/>
+      <dgm:prSet>
+        <dgm:style>
+          <a:lnRef idx="2">
+            <a:schemeClr val="dk1"/>
+          </a:lnRef>
+          <a:fillRef idx="1">
+            <a:schemeClr val="lt1"/>
+          </a:fillRef>
+          <a:effectRef idx="0">
+            <a:schemeClr val="dk1"/>
+          </a:effectRef>
+          <a:fontRef idx="minor">
+            <a:schemeClr val="dk1"/>
+          </a:fontRef>
+        </dgm:style>
+      </dgm:prSet>
       <dgm:spPr>
         <a:noFill/>
       </dgm:spPr>
@@ -1817,10 +1847,10 @@
         <a:lstStyle/>
         <a:p>
           <a:r>
-            <a:rPr lang="en-US" sz="2200" dirty="0"/>
+            <a:rPr lang="en-US" dirty="0"/>
             <a:t>Objective	</a:t>
           </a:r>
-          <a:endParaRPr lang="en-IN" sz="2200" dirty="0"/>
+          <a:endParaRPr lang="en-IN" dirty="0"/>
         </a:p>
       </dgm:t>
     </dgm:pt>
@@ -1847,7 +1877,22 @@
       </dgm:t>
     </dgm:pt>
     <dgm:pt modelId="{00AB50C7-C819-4CA5-B6E7-2BDD4AF62307}">
-      <dgm:prSet custT="1"/>
+      <dgm:prSet>
+        <dgm:style>
+          <a:lnRef idx="2">
+            <a:schemeClr val="dk1"/>
+          </a:lnRef>
+          <a:fillRef idx="1">
+            <a:schemeClr val="lt1"/>
+          </a:fillRef>
+          <a:effectRef idx="0">
+            <a:schemeClr val="dk1"/>
+          </a:effectRef>
+          <a:fontRef idx="minor">
+            <a:schemeClr val="dk1"/>
+          </a:fontRef>
+        </dgm:style>
+      </dgm:prSet>
       <dgm:spPr>
         <a:noFill/>
       </dgm:spPr>
@@ -1856,10 +1901,10 @@
         <a:lstStyle/>
         <a:p>
           <a:r>
-            <a:rPr lang="en-US" sz="2200" dirty="0"/>
+            <a:rPr lang="en-US" dirty="0"/>
             <a:t>Motivation</a:t>
           </a:r>
-          <a:endParaRPr lang="en-IN" sz="2200" dirty="0"/>
+          <a:endParaRPr lang="en-IN" dirty="0"/>
         </a:p>
       </dgm:t>
     </dgm:pt>
@@ -1886,7 +1931,22 @@
       </dgm:t>
     </dgm:pt>
     <dgm:pt modelId="{ECD40BF8-4AA9-4082-867C-480810D1873C}">
-      <dgm:prSet custT="1"/>
+      <dgm:prSet>
+        <dgm:style>
+          <a:lnRef idx="2">
+            <a:schemeClr val="dk1"/>
+          </a:lnRef>
+          <a:fillRef idx="1">
+            <a:schemeClr val="lt1"/>
+          </a:fillRef>
+          <a:effectRef idx="0">
+            <a:schemeClr val="dk1"/>
+          </a:effectRef>
+          <a:fontRef idx="minor">
+            <a:schemeClr val="dk1"/>
+          </a:fontRef>
+        </dgm:style>
+      </dgm:prSet>
       <dgm:spPr>
         <a:noFill/>
       </dgm:spPr>
@@ -1895,10 +1955,10 @@
         <a:lstStyle/>
         <a:p>
           <a:r>
-            <a:rPr lang="en-US" sz="2200" dirty="0"/>
+            <a:rPr lang="en-US" dirty="0"/>
             <a:t>Dataset Description</a:t>
           </a:r>
-          <a:endParaRPr lang="en-IN" sz="2200" dirty="0"/>
+          <a:endParaRPr lang="en-IN" dirty="0"/>
         </a:p>
       </dgm:t>
     </dgm:pt>
@@ -1925,7 +1985,22 @@
       </dgm:t>
     </dgm:pt>
     <dgm:pt modelId="{E49D062F-C156-478A-B75F-E49DFAE98BF9}">
-      <dgm:prSet custT="1"/>
+      <dgm:prSet>
+        <dgm:style>
+          <a:lnRef idx="2">
+            <a:schemeClr val="dk1"/>
+          </a:lnRef>
+          <a:fillRef idx="1">
+            <a:schemeClr val="lt1"/>
+          </a:fillRef>
+          <a:effectRef idx="0">
+            <a:schemeClr val="dk1"/>
+          </a:effectRef>
+          <a:fontRef idx="minor">
+            <a:schemeClr val="dk1"/>
+          </a:fontRef>
+        </dgm:style>
+      </dgm:prSet>
       <dgm:spPr>
         <a:noFill/>
       </dgm:spPr>
@@ -1934,7 +2009,7 @@
         <a:lstStyle/>
         <a:p>
           <a:r>
-            <a:rPr lang="en-IN" sz="2200" dirty="0"/>
+            <a:rPr lang="en-IN" dirty="0"/>
             <a:t>Data Visualisation</a:t>
           </a:r>
         </a:p>
@@ -1963,7 +2038,22 @@
       </dgm:t>
     </dgm:pt>
     <dgm:pt modelId="{2B784CB0-423C-4D1C-84DD-FF5F17D0AFFD}">
-      <dgm:prSet custT="1"/>
+      <dgm:prSet>
+        <dgm:style>
+          <a:lnRef idx="2">
+            <a:schemeClr val="dk1"/>
+          </a:lnRef>
+          <a:fillRef idx="1">
+            <a:schemeClr val="lt1"/>
+          </a:fillRef>
+          <a:effectRef idx="0">
+            <a:schemeClr val="dk1"/>
+          </a:effectRef>
+          <a:fontRef idx="minor">
+            <a:schemeClr val="dk1"/>
+          </a:fontRef>
+        </dgm:style>
+      </dgm:prSet>
       <dgm:spPr>
         <a:noFill/>
       </dgm:spPr>
@@ -1972,7 +2062,7 @@
         <a:lstStyle/>
         <a:p>
           <a:r>
-            <a:rPr lang="en-IN" sz="2200" dirty="0"/>
+            <a:rPr lang="en-IN" dirty="0"/>
             <a:t>Preparing the Data to feed into the Model</a:t>
           </a:r>
         </a:p>
@@ -2000,6 +2090,168 @@
         </a:p>
       </dgm:t>
     </dgm:pt>
+    <dgm:pt modelId="{DD53FCC2-95C3-400F-BADC-F5FEE340B7B3}">
+      <dgm:prSet>
+        <dgm:style>
+          <a:lnRef idx="2">
+            <a:schemeClr val="dk1"/>
+          </a:lnRef>
+          <a:fillRef idx="1">
+            <a:schemeClr val="lt1"/>
+          </a:fillRef>
+          <a:effectRef idx="0">
+            <a:schemeClr val="dk1"/>
+          </a:effectRef>
+          <a:fontRef idx="minor">
+            <a:schemeClr val="dk1"/>
+          </a:fontRef>
+        </dgm:style>
+      </dgm:prSet>
+      <dgm:spPr>
+        <a:noFill/>
+      </dgm:spPr>
+      <dgm:t>
+        <a:bodyPr/>
+        <a:lstStyle/>
+        <a:p>
+          <a:r>
+            <a:rPr lang="en-US" dirty="0"/>
+            <a:t>The Model</a:t>
+          </a:r>
+          <a:endParaRPr lang="en-IN" dirty="0"/>
+        </a:p>
+      </dgm:t>
+    </dgm:pt>
+    <dgm:pt modelId="{46DA5237-5725-4C7C-A7E4-8822B059E985}" type="parTrans" cxnId="{9DE43378-2015-40AA-8D6B-D0F93D03CF3E}">
+      <dgm:prSet/>
+      <dgm:spPr/>
+      <dgm:t>
+        <a:bodyPr/>
+        <a:lstStyle/>
+        <a:p>
+          <a:endParaRPr lang="en-IN"/>
+        </a:p>
+      </dgm:t>
+    </dgm:pt>
+    <dgm:pt modelId="{A4190C9A-24A9-4198-9B4F-737D2A73AAF4}" type="sibTrans" cxnId="{9DE43378-2015-40AA-8D6B-D0F93D03CF3E}">
+      <dgm:prSet/>
+      <dgm:spPr/>
+      <dgm:t>
+        <a:bodyPr/>
+        <a:lstStyle/>
+        <a:p>
+          <a:endParaRPr lang="en-IN"/>
+        </a:p>
+      </dgm:t>
+    </dgm:pt>
+    <dgm:pt modelId="{0CD7267D-5970-42CF-941A-ADB6A784CCFE}">
+      <dgm:prSet>
+        <dgm:style>
+          <a:lnRef idx="2">
+            <a:schemeClr val="dk1"/>
+          </a:lnRef>
+          <a:fillRef idx="1">
+            <a:schemeClr val="lt1"/>
+          </a:fillRef>
+          <a:effectRef idx="0">
+            <a:schemeClr val="dk1"/>
+          </a:effectRef>
+          <a:fontRef idx="minor">
+            <a:schemeClr val="dk1"/>
+          </a:fontRef>
+        </dgm:style>
+      </dgm:prSet>
+      <dgm:spPr>
+        <a:noFill/>
+      </dgm:spPr>
+      <dgm:t>
+        <a:bodyPr/>
+        <a:lstStyle/>
+        <a:p>
+          <a:r>
+            <a:rPr lang="en-US" dirty="0"/>
+            <a:t>Training</a:t>
+          </a:r>
+          <a:endParaRPr lang="en-IN" dirty="0"/>
+        </a:p>
+      </dgm:t>
+    </dgm:pt>
+    <dgm:pt modelId="{7C5AF3EE-F507-4A91-938B-B00D6CD43545}" type="parTrans" cxnId="{0295C007-6D4D-47F8-978E-B75A72FE13E5}">
+      <dgm:prSet/>
+      <dgm:spPr/>
+      <dgm:t>
+        <a:bodyPr/>
+        <a:lstStyle/>
+        <a:p>
+          <a:endParaRPr lang="en-IN"/>
+        </a:p>
+      </dgm:t>
+    </dgm:pt>
+    <dgm:pt modelId="{E9B90FC2-8CD1-4AEC-AB4B-DA1109B1C563}" type="sibTrans" cxnId="{0295C007-6D4D-47F8-978E-B75A72FE13E5}">
+      <dgm:prSet/>
+      <dgm:spPr/>
+      <dgm:t>
+        <a:bodyPr/>
+        <a:lstStyle/>
+        <a:p>
+          <a:endParaRPr lang="en-IN"/>
+        </a:p>
+      </dgm:t>
+    </dgm:pt>
+    <dgm:pt modelId="{975A715D-8067-4305-BB2E-B0B53E774FD0}">
+      <dgm:prSet>
+        <dgm:style>
+          <a:lnRef idx="2">
+            <a:schemeClr val="dk1"/>
+          </a:lnRef>
+          <a:fillRef idx="1">
+            <a:schemeClr val="lt1"/>
+          </a:fillRef>
+          <a:effectRef idx="0">
+            <a:schemeClr val="dk1"/>
+          </a:effectRef>
+          <a:fontRef idx="minor">
+            <a:schemeClr val="dk1"/>
+          </a:fontRef>
+        </dgm:style>
+      </dgm:prSet>
+      <dgm:spPr>
+        <a:noFill/>
+      </dgm:spPr>
+      <dgm:t>
+        <a:bodyPr/>
+        <a:lstStyle/>
+        <a:p>
+          <a:r>
+            <a:rPr lang="en-US" dirty="0"/>
+            <a:t>Results</a:t>
+          </a:r>
+          <a:endParaRPr lang="en-IN" dirty="0"/>
+        </a:p>
+      </dgm:t>
+    </dgm:pt>
+    <dgm:pt modelId="{A4DCA191-BEF0-46C5-ACF3-CB16DA7CCBDA}" type="parTrans" cxnId="{3438066A-6F58-4559-853F-2C8AD52CDD40}">
+      <dgm:prSet/>
+      <dgm:spPr/>
+      <dgm:t>
+        <a:bodyPr/>
+        <a:lstStyle/>
+        <a:p>
+          <a:endParaRPr lang="en-IN"/>
+        </a:p>
+      </dgm:t>
+    </dgm:pt>
+    <dgm:pt modelId="{4A1D58C8-7D20-4E5E-8B4C-AECEC741AD61}" type="sibTrans" cxnId="{3438066A-6F58-4559-853F-2C8AD52CDD40}">
+      <dgm:prSet/>
+      <dgm:spPr/>
+      <dgm:t>
+        <a:bodyPr/>
+        <a:lstStyle/>
+        <a:p>
+          <a:endParaRPr lang="en-IN"/>
+        </a:p>
+      </dgm:t>
+    </dgm:pt>
     <dgm:pt modelId="{5C13FA6B-B526-474E-9356-51DFED0392D5}" type="pres">
       <dgm:prSet presAssocID="{06EA9A17-6EC0-479F-8749-E6928747F509}" presName="linear" presStyleCnt="0">
         <dgm:presLayoutVars>
@@ -2010,7 +2262,7 @@
       <dgm:spPr/>
     </dgm:pt>
     <dgm:pt modelId="{33DB037A-F03A-46ED-915A-8B3ADB51F158}" type="pres">
-      <dgm:prSet presAssocID="{56CEEA9C-59FF-4E43-9B61-4A2B042662DF}" presName="parentText" presStyleLbl="node1" presStyleIdx="0" presStyleCnt="6">
+      <dgm:prSet presAssocID="{56CEEA9C-59FF-4E43-9B61-4A2B042662DF}" presName="parentText" presStyleLbl="node1" presStyleIdx="0" presStyleCnt="9">
         <dgm:presLayoutVars>
           <dgm:chMax val="0"/>
           <dgm:bulletEnabled val="1"/>
@@ -2023,7 +2275,7 @@
       <dgm:spPr/>
     </dgm:pt>
     <dgm:pt modelId="{606066B2-051E-4EDA-89F0-01AC744D3B41}" type="pres">
-      <dgm:prSet presAssocID="{E5553568-36B2-4417-A1B2-5C8DEEEF2739}" presName="parentText" presStyleLbl="node1" presStyleIdx="1" presStyleCnt="6">
+      <dgm:prSet presAssocID="{E5553568-36B2-4417-A1B2-5C8DEEEF2739}" presName="parentText" presStyleLbl="node1" presStyleIdx="1" presStyleCnt="9">
         <dgm:presLayoutVars>
           <dgm:chMax val="0"/>
           <dgm:bulletEnabled val="1"/>
@@ -2036,7 +2288,7 @@
       <dgm:spPr/>
     </dgm:pt>
     <dgm:pt modelId="{2BD7DC87-CA37-457F-B61E-10FF6EBD2DB2}" type="pres">
-      <dgm:prSet presAssocID="{00AB50C7-C819-4CA5-B6E7-2BDD4AF62307}" presName="parentText" presStyleLbl="node1" presStyleIdx="2" presStyleCnt="6">
+      <dgm:prSet presAssocID="{00AB50C7-C819-4CA5-B6E7-2BDD4AF62307}" presName="parentText" presStyleLbl="node1" presStyleIdx="2" presStyleCnt="9">
         <dgm:presLayoutVars>
           <dgm:chMax val="0"/>
           <dgm:bulletEnabled val="1"/>
@@ -2049,7 +2301,7 @@
       <dgm:spPr/>
     </dgm:pt>
     <dgm:pt modelId="{D5CB0438-ECB7-481B-BC27-05FFF792CE61}" type="pres">
-      <dgm:prSet presAssocID="{ECD40BF8-4AA9-4082-867C-480810D1873C}" presName="parentText" presStyleLbl="node1" presStyleIdx="3" presStyleCnt="6">
+      <dgm:prSet presAssocID="{ECD40BF8-4AA9-4082-867C-480810D1873C}" presName="parentText" presStyleLbl="node1" presStyleIdx="3" presStyleCnt="9">
         <dgm:presLayoutVars>
           <dgm:chMax val="0"/>
           <dgm:bulletEnabled val="1"/>
@@ -2062,7 +2314,7 @@
       <dgm:spPr/>
     </dgm:pt>
     <dgm:pt modelId="{DDA405E5-FDA6-4B15-9C0F-C3AAF28F82E4}" type="pres">
-      <dgm:prSet presAssocID="{E49D062F-C156-478A-B75F-E49DFAE98BF9}" presName="parentText" presStyleLbl="node1" presStyleIdx="4" presStyleCnt="6">
+      <dgm:prSet presAssocID="{E49D062F-C156-478A-B75F-E49DFAE98BF9}" presName="parentText" presStyleLbl="node1" presStyleIdx="4" presStyleCnt="9">
         <dgm:presLayoutVars>
           <dgm:chMax val="0"/>
           <dgm:bulletEnabled val="1"/>
@@ -2075,7 +2327,7 @@
       <dgm:spPr/>
     </dgm:pt>
     <dgm:pt modelId="{38813A74-C17A-49B6-AC79-44BD3FA53302}" type="pres">
-      <dgm:prSet presAssocID="{2B784CB0-423C-4D1C-84DD-FF5F17D0AFFD}" presName="parentText" presStyleLbl="node1" presStyleIdx="5" presStyleCnt="6">
+      <dgm:prSet presAssocID="{2B784CB0-423C-4D1C-84DD-FF5F17D0AFFD}" presName="parentText" presStyleLbl="node1" presStyleIdx="5" presStyleCnt="9">
         <dgm:presLayoutVars>
           <dgm:chMax val="0"/>
           <dgm:bulletEnabled val="1"/>
@@ -2083,20 +2335,65 @@
       </dgm:prSet>
       <dgm:spPr/>
     </dgm:pt>
+    <dgm:pt modelId="{592E6652-16BB-4D05-9526-6A662AD9AFCD}" type="pres">
+      <dgm:prSet presAssocID="{A5E246B6-8BA1-411A-A161-30E10695FB36}" presName="spacer" presStyleCnt="0"/>
+      <dgm:spPr/>
+    </dgm:pt>
+    <dgm:pt modelId="{39224838-96D4-4FB1-B413-E61F32B334CA}" type="pres">
+      <dgm:prSet presAssocID="{DD53FCC2-95C3-400F-BADC-F5FEE340B7B3}" presName="parentText" presStyleLbl="node1" presStyleIdx="6" presStyleCnt="9">
+        <dgm:presLayoutVars>
+          <dgm:chMax val="0"/>
+          <dgm:bulletEnabled val="1"/>
+        </dgm:presLayoutVars>
+      </dgm:prSet>
+      <dgm:spPr/>
+    </dgm:pt>
+    <dgm:pt modelId="{248D48B8-28DE-4546-B669-BD439BBC8F29}" type="pres">
+      <dgm:prSet presAssocID="{A4190C9A-24A9-4198-9B4F-737D2A73AAF4}" presName="spacer" presStyleCnt="0"/>
+      <dgm:spPr/>
+    </dgm:pt>
+    <dgm:pt modelId="{FBCE99ED-4B38-4B29-8EB7-DC55D72BD4FB}" type="pres">
+      <dgm:prSet presAssocID="{0CD7267D-5970-42CF-941A-ADB6A784CCFE}" presName="parentText" presStyleLbl="node1" presStyleIdx="7" presStyleCnt="9">
+        <dgm:presLayoutVars>
+          <dgm:chMax val="0"/>
+          <dgm:bulletEnabled val="1"/>
+        </dgm:presLayoutVars>
+      </dgm:prSet>
+      <dgm:spPr/>
+    </dgm:pt>
+    <dgm:pt modelId="{F288DE47-49AD-4009-B878-1C8FA77AC56B}" type="pres">
+      <dgm:prSet presAssocID="{E9B90FC2-8CD1-4AEC-AB4B-DA1109B1C563}" presName="spacer" presStyleCnt="0"/>
+      <dgm:spPr/>
+    </dgm:pt>
+    <dgm:pt modelId="{03D57C55-4BE4-49C6-B401-8CB9A1DEEC94}" type="pres">
+      <dgm:prSet presAssocID="{975A715D-8067-4305-BB2E-B0B53E774FD0}" presName="parentText" presStyleLbl="node1" presStyleIdx="8" presStyleCnt="9">
+        <dgm:presLayoutVars>
+          <dgm:chMax val="0"/>
+          <dgm:bulletEnabled val="1"/>
+        </dgm:presLayoutVars>
+      </dgm:prSet>
+      <dgm:spPr/>
+    </dgm:pt>
   </dgm:ptLst>
   <dgm:cxnLst>
+    <dgm:cxn modelId="{0295C007-6D4D-47F8-978E-B75A72FE13E5}" srcId="{06EA9A17-6EC0-479F-8749-E6928747F509}" destId="{0CD7267D-5970-42CF-941A-ADB6A784CCFE}" srcOrd="7" destOrd="0" parTransId="{7C5AF3EE-F507-4A91-938B-B00D6CD43545}" sibTransId="{E9B90FC2-8CD1-4AEC-AB4B-DA1109B1C563}"/>
     <dgm:cxn modelId="{3FEA731E-C3B9-40BA-A127-B357C7667F26}" srcId="{06EA9A17-6EC0-479F-8749-E6928747F509}" destId="{00AB50C7-C819-4CA5-B6E7-2BDD4AF62307}" srcOrd="2" destOrd="0" parTransId="{7C59C1D6-0530-4C8D-8BE1-921445784F86}" sibTransId="{4E3E61C5-736C-4371-BC2D-631168CF26A6}"/>
     <dgm:cxn modelId="{E62E2A21-BFAB-48D7-9EAC-5DB5A8F1D296}" srcId="{06EA9A17-6EC0-479F-8749-E6928747F509}" destId="{E49D062F-C156-478A-B75F-E49DFAE98BF9}" srcOrd="4" destOrd="0" parTransId="{8A6B8839-ABC5-48F1-A735-5C5F59382A46}" sibTransId="{DF088757-DA0A-4DE3-BED0-EA7813AE9EC6}"/>
     <dgm:cxn modelId="{A500615C-ED87-4993-AB0D-66DA4AC1B6CD}" type="presOf" srcId="{00AB50C7-C819-4CA5-B6E7-2BDD4AF62307}" destId="{2BD7DC87-CA37-457F-B61E-10FF6EBD2DB2}" srcOrd="0" destOrd="0" presId="urn:microsoft.com/office/officeart/2005/8/layout/vList2"/>
+    <dgm:cxn modelId="{3438066A-6F58-4559-853F-2C8AD52CDD40}" srcId="{06EA9A17-6EC0-479F-8749-E6928747F509}" destId="{975A715D-8067-4305-BB2E-B0B53E774FD0}" srcOrd="8" destOrd="0" parTransId="{A4DCA191-BEF0-46C5-ACF3-CB16DA7CCBDA}" sibTransId="{4A1D58C8-7D20-4E5E-8B4C-AECEC741AD61}"/>
     <dgm:cxn modelId="{692A166D-DEA0-421B-B21C-33B5856CE606}" type="presOf" srcId="{2B784CB0-423C-4D1C-84DD-FF5F17D0AFFD}" destId="{38813A74-C17A-49B6-AC79-44BD3FA53302}" srcOrd="0" destOrd="0" presId="urn:microsoft.com/office/officeart/2005/8/layout/vList2"/>
     <dgm:cxn modelId="{FF5FCE76-2CC6-477D-990C-7ED7AF01375B}" srcId="{06EA9A17-6EC0-479F-8749-E6928747F509}" destId="{E5553568-36B2-4417-A1B2-5C8DEEEF2739}" srcOrd="1" destOrd="0" parTransId="{0E632EDA-00D7-464B-AE58-C86E10F94688}" sibTransId="{B503D76E-5956-4F5F-A235-9531CAD4B125}"/>
+    <dgm:cxn modelId="{9DE43378-2015-40AA-8D6B-D0F93D03CF3E}" srcId="{06EA9A17-6EC0-479F-8749-E6928747F509}" destId="{DD53FCC2-95C3-400F-BADC-F5FEE340B7B3}" srcOrd="6" destOrd="0" parTransId="{46DA5237-5725-4C7C-A7E4-8822B059E985}" sibTransId="{A4190C9A-24A9-4198-9B4F-737D2A73AAF4}"/>
+    <dgm:cxn modelId="{1559B879-721F-4EDF-896A-6AA870DA9AA1}" type="presOf" srcId="{DD53FCC2-95C3-400F-BADC-F5FEE340B7B3}" destId="{39224838-96D4-4FB1-B413-E61F32B334CA}" srcOrd="0" destOrd="0" presId="urn:microsoft.com/office/officeart/2005/8/layout/vList2"/>
     <dgm:cxn modelId="{D79A7E7B-9FAC-4A04-B72A-E4AC946CCBF1}" srcId="{06EA9A17-6EC0-479F-8749-E6928747F509}" destId="{ECD40BF8-4AA9-4082-867C-480810D1873C}" srcOrd="3" destOrd="0" parTransId="{67C25DE1-5525-4D26-A0D5-3E0789B1F7D3}" sibTransId="{B30D7B66-49F2-4256-B045-A30C9A8100C7}"/>
     <dgm:cxn modelId="{98BCDC84-10AC-4205-B603-A1DDC259C4AC}" srcId="{06EA9A17-6EC0-479F-8749-E6928747F509}" destId="{2B784CB0-423C-4D1C-84DD-FF5F17D0AFFD}" srcOrd="5" destOrd="0" parTransId="{B2BC0BCB-5592-4B52-A8C8-3EDFF1928627}" sibTransId="{A5E246B6-8BA1-411A-A161-30E10695FB36}"/>
     <dgm:cxn modelId="{6DCA7F92-B641-4BB6-B5F9-CBC08D559BA9}" type="presOf" srcId="{E5553568-36B2-4417-A1B2-5C8DEEEF2739}" destId="{606066B2-051E-4EDA-89F0-01AC744D3B41}" srcOrd="0" destOrd="0" presId="urn:microsoft.com/office/officeart/2005/8/layout/vList2"/>
     <dgm:cxn modelId="{F88F4F95-582A-4B55-9FF4-EF589E6627F9}" type="presOf" srcId="{56CEEA9C-59FF-4E43-9B61-4A2B042662DF}" destId="{33DB037A-F03A-46ED-915A-8B3ADB51F158}" srcOrd="0" destOrd="0" presId="urn:microsoft.com/office/officeart/2005/8/layout/vList2"/>
+    <dgm:cxn modelId="{E33EB2A3-80C8-4B0D-831D-22792D859C92}" type="presOf" srcId="{0CD7267D-5970-42CF-941A-ADB6A784CCFE}" destId="{FBCE99ED-4B38-4B29-8EB7-DC55D72BD4FB}" srcOrd="0" destOrd="0" presId="urn:microsoft.com/office/officeart/2005/8/layout/vList2"/>
     <dgm:cxn modelId="{8EC6F9AA-939C-47AE-879C-711174F05EE6}" type="presOf" srcId="{E49D062F-C156-478A-B75F-E49DFAE98BF9}" destId="{DDA405E5-FDA6-4B15-9C0F-C3AAF28F82E4}" srcOrd="0" destOrd="0" presId="urn:microsoft.com/office/officeart/2005/8/layout/vList2"/>
     <dgm:cxn modelId="{CD20CBCF-69A7-4579-BBB4-BFEDF6BB1C91}" type="presOf" srcId="{ECD40BF8-4AA9-4082-867C-480810D1873C}" destId="{D5CB0438-ECB7-481B-BC27-05FFF792CE61}" srcOrd="0" destOrd="0" presId="urn:microsoft.com/office/officeart/2005/8/layout/vList2"/>
     <dgm:cxn modelId="{A44B51F2-1964-4DE9-ACBD-1CFE0048CA18}" srcId="{06EA9A17-6EC0-479F-8749-E6928747F509}" destId="{56CEEA9C-59FF-4E43-9B61-4A2B042662DF}" srcOrd="0" destOrd="0" parTransId="{A0C1D6CD-2E5C-44B2-BCA0-8F43E4BAF60E}" sibTransId="{1A21A60B-2345-4724-A31B-30BED9B49DAA}"/>
+    <dgm:cxn modelId="{82E3C1F3-6194-468A-8BC3-004AF593CBA3}" type="presOf" srcId="{975A715D-8067-4305-BB2E-B0B53E774FD0}" destId="{03D57C55-4BE4-49C6-B401-8CB9A1DEEC94}" srcOrd="0" destOrd="0" presId="urn:microsoft.com/office/officeart/2005/8/layout/vList2"/>
     <dgm:cxn modelId="{1C9E04F8-344B-4F46-AFAF-33E9164ECE2F}" type="presOf" srcId="{06EA9A17-6EC0-479F-8749-E6928747F509}" destId="{5C13FA6B-B526-474E-9356-51DFED0392D5}" srcOrd="0" destOrd="0" presId="urn:microsoft.com/office/officeart/2005/8/layout/vList2"/>
     <dgm:cxn modelId="{75D9D982-F65C-4589-9029-095690866F99}" type="presParOf" srcId="{5C13FA6B-B526-474E-9356-51DFED0392D5}" destId="{33DB037A-F03A-46ED-915A-8B3ADB51F158}" srcOrd="0" destOrd="0" presId="urn:microsoft.com/office/officeart/2005/8/layout/vList2"/>
     <dgm:cxn modelId="{BE0F5D6A-8ED1-432A-BA2F-DB21859E8E40}" type="presParOf" srcId="{5C13FA6B-B526-474E-9356-51DFED0392D5}" destId="{AD1222B6-B134-4639-A2E5-9ADF35FEC38A}" srcOrd="1" destOrd="0" presId="urn:microsoft.com/office/officeart/2005/8/layout/vList2"/>
@@ -2109,6 +2406,12 @@
     <dgm:cxn modelId="{182F5D19-E4AC-42EF-A181-CABE9A70555F}" type="presParOf" srcId="{5C13FA6B-B526-474E-9356-51DFED0392D5}" destId="{DDA405E5-FDA6-4B15-9C0F-C3AAF28F82E4}" srcOrd="8" destOrd="0" presId="urn:microsoft.com/office/officeart/2005/8/layout/vList2"/>
     <dgm:cxn modelId="{5B69938D-F85A-4FF8-A9B4-53BCC382703E}" type="presParOf" srcId="{5C13FA6B-B526-474E-9356-51DFED0392D5}" destId="{A4AA3299-2F65-4E6F-8B5E-4CBCF03BBEC6}" srcOrd="9" destOrd="0" presId="urn:microsoft.com/office/officeart/2005/8/layout/vList2"/>
     <dgm:cxn modelId="{615A4D35-6ACB-4B95-AF7B-84CD5159A967}" type="presParOf" srcId="{5C13FA6B-B526-474E-9356-51DFED0392D5}" destId="{38813A74-C17A-49B6-AC79-44BD3FA53302}" srcOrd="10" destOrd="0" presId="urn:microsoft.com/office/officeart/2005/8/layout/vList2"/>
+    <dgm:cxn modelId="{B674DD9E-5757-47A9-96F6-1C2517F2BEEC}" type="presParOf" srcId="{5C13FA6B-B526-474E-9356-51DFED0392D5}" destId="{592E6652-16BB-4D05-9526-6A662AD9AFCD}" srcOrd="11" destOrd="0" presId="urn:microsoft.com/office/officeart/2005/8/layout/vList2"/>
+    <dgm:cxn modelId="{FB3BFC24-00AC-467C-9015-575EC74E917C}" type="presParOf" srcId="{5C13FA6B-B526-474E-9356-51DFED0392D5}" destId="{39224838-96D4-4FB1-B413-E61F32B334CA}" srcOrd="12" destOrd="0" presId="urn:microsoft.com/office/officeart/2005/8/layout/vList2"/>
+    <dgm:cxn modelId="{FF8D7BCA-1B5C-436E-AA60-1DA1FAB93949}" type="presParOf" srcId="{5C13FA6B-B526-474E-9356-51DFED0392D5}" destId="{248D48B8-28DE-4546-B669-BD439BBC8F29}" srcOrd="13" destOrd="0" presId="urn:microsoft.com/office/officeart/2005/8/layout/vList2"/>
+    <dgm:cxn modelId="{E308C178-031C-4242-97B2-8E990D58EBF0}" type="presParOf" srcId="{5C13FA6B-B526-474E-9356-51DFED0392D5}" destId="{FBCE99ED-4B38-4B29-8EB7-DC55D72BD4FB}" srcOrd="14" destOrd="0" presId="urn:microsoft.com/office/officeart/2005/8/layout/vList2"/>
+    <dgm:cxn modelId="{5A1C35EB-9407-48FD-8649-0F025CE2FA59}" type="presParOf" srcId="{5C13FA6B-B526-474E-9356-51DFED0392D5}" destId="{F288DE47-49AD-4009-B878-1C8FA77AC56B}" srcOrd="15" destOrd="0" presId="urn:microsoft.com/office/officeart/2005/8/layout/vList2"/>
+    <dgm:cxn modelId="{334EAC07-3036-4FF8-A1F2-4C64FB007800}" type="presParOf" srcId="{5C13FA6B-B526-474E-9356-51DFED0392D5}" destId="{03D57C55-4BE4-49C6-B401-8CB9A1DEEC94}" srcOrd="16" destOrd="0" presId="urn:microsoft.com/office/officeart/2005/8/layout/vList2"/>
   </dgm:cxnLst>
   <dgm:bg/>
   <dgm:whole/>
@@ -3674,8 +3977,8 @@
       </dsp:nvSpPr>
       <dsp:spPr>
         <a:xfrm>
-          <a:off x="0" y="21429"/>
-          <a:ext cx="10515600" cy="636480"/>
+          <a:off x="0" y="72908"/>
+          <a:ext cx="10515600" cy="421200"/>
         </a:xfrm>
         <a:prstGeom prst="roundRect">
           <a:avLst/>
@@ -3683,13 +3986,7 @@
         <a:noFill/>
         <a:ln w="12700" cap="flat" cmpd="sng" algn="ctr">
           <a:solidFill>
-            <a:schemeClr val="dk1">
-              <a:shade val="80000"/>
-              <a:hueOff val="0"/>
-              <a:satOff val="0"/>
-              <a:lumOff val="0"/>
-              <a:alphaOff val="0"/>
-            </a:schemeClr>
+            <a:schemeClr val="dk1"/>
           </a:solidFill>
           <a:prstDash val="solid"/>
           <a:miter lim="800000"/>
@@ -3698,25 +3995,25 @@
       </dsp:spPr>
       <dsp:style>
         <a:lnRef idx="2">
-          <a:scrgbClr r="0" g="0" b="0"/>
+          <a:schemeClr val="dk1"/>
         </a:lnRef>
         <a:fillRef idx="1">
-          <a:scrgbClr r="0" g="0" b="0"/>
+          <a:schemeClr val="lt1"/>
         </a:fillRef>
         <a:effectRef idx="0">
-          <a:scrgbClr r="0" g="0" b="0"/>
+          <a:schemeClr val="dk1"/>
         </a:effectRef>
         <a:fontRef idx="minor">
-          <a:schemeClr val="lt1"/>
+          <a:schemeClr val="dk1"/>
         </a:fontRef>
       </dsp:style>
       <dsp:txBody>
-        <a:bodyPr spcFirstLastPara="0" vert="horz" wrap="square" lIns="83820" tIns="83820" rIns="83820" bIns="83820" numCol="1" spcCol="1270" anchor="ctr" anchorCtr="0">
+        <a:bodyPr spcFirstLastPara="0" vert="horz" wrap="square" lIns="68580" tIns="68580" rIns="68580" bIns="68580" numCol="1" spcCol="1270" anchor="ctr" anchorCtr="0">
           <a:noAutofit/>
         </a:bodyPr>
         <a:lstStyle/>
         <a:p>
-          <a:pPr marL="0" lvl="0" indent="0" algn="l" defTabSz="977900">
+          <a:pPr marL="0" lvl="0" indent="0" algn="l" defTabSz="800100">
             <a:lnSpc>
               <a:spcPct val="90000"/>
             </a:lnSpc>
@@ -3729,15 +4026,15 @@
             <a:buNone/>
           </a:pPr>
           <a:r>
-            <a:rPr lang="en-US" sz="2200" kern="1200" dirty="0"/>
+            <a:rPr lang="en-US" sz="1800" kern="1200" dirty="0"/>
             <a:t>Problem Statement</a:t>
           </a:r>
-          <a:endParaRPr lang="en-IN" sz="2200" kern="1200" dirty="0"/>
+          <a:endParaRPr lang="en-IN" sz="1800" kern="1200" dirty="0"/>
         </a:p>
       </dsp:txBody>
       <dsp:txXfrm>
-        <a:off x="31070" y="52499"/>
-        <a:ext cx="10453460" cy="574340"/>
+        <a:off x="20561" y="93469"/>
+        <a:ext cx="10474478" cy="380078"/>
       </dsp:txXfrm>
     </dsp:sp>
     <dsp:sp modelId="{606066B2-051E-4EDA-89F0-01AC744D3B41}">
@@ -3747,8 +4044,8 @@
       </dsp:nvSpPr>
       <dsp:spPr>
         <a:xfrm>
-          <a:off x="0" y="755828"/>
-          <a:ext cx="10515600" cy="636480"/>
+          <a:off x="0" y="545949"/>
+          <a:ext cx="10515600" cy="421200"/>
         </a:xfrm>
         <a:prstGeom prst="roundRect">
           <a:avLst/>
@@ -3756,13 +4053,7 @@
         <a:noFill/>
         <a:ln w="12700" cap="flat" cmpd="sng" algn="ctr">
           <a:solidFill>
-            <a:schemeClr val="dk1">
-              <a:shade val="80000"/>
-              <a:hueOff val="0"/>
-              <a:satOff val="0"/>
-              <a:lumOff val="0"/>
-              <a:alphaOff val="0"/>
-            </a:schemeClr>
+            <a:schemeClr val="dk1"/>
           </a:solidFill>
           <a:prstDash val="solid"/>
           <a:miter lim="800000"/>
@@ -3771,25 +4062,25 @@
       </dsp:spPr>
       <dsp:style>
         <a:lnRef idx="2">
-          <a:scrgbClr r="0" g="0" b="0"/>
+          <a:schemeClr val="dk1"/>
         </a:lnRef>
         <a:fillRef idx="1">
-          <a:scrgbClr r="0" g="0" b="0"/>
+          <a:schemeClr val="lt1"/>
         </a:fillRef>
         <a:effectRef idx="0">
-          <a:scrgbClr r="0" g="0" b="0"/>
+          <a:schemeClr val="dk1"/>
         </a:effectRef>
         <a:fontRef idx="minor">
-          <a:schemeClr val="lt1"/>
+          <a:schemeClr val="dk1"/>
         </a:fontRef>
       </dsp:style>
       <dsp:txBody>
-        <a:bodyPr spcFirstLastPara="0" vert="horz" wrap="square" lIns="83820" tIns="83820" rIns="83820" bIns="83820" numCol="1" spcCol="1270" anchor="ctr" anchorCtr="0">
+        <a:bodyPr spcFirstLastPara="0" vert="horz" wrap="square" lIns="68580" tIns="68580" rIns="68580" bIns="68580" numCol="1" spcCol="1270" anchor="ctr" anchorCtr="0">
           <a:noAutofit/>
         </a:bodyPr>
         <a:lstStyle/>
         <a:p>
-          <a:pPr marL="0" lvl="0" indent="0" algn="l" defTabSz="977900">
+          <a:pPr marL="0" lvl="0" indent="0" algn="l" defTabSz="800100">
             <a:lnSpc>
               <a:spcPct val="90000"/>
             </a:lnSpc>
@@ -3802,15 +4093,15 @@
             <a:buNone/>
           </a:pPr>
           <a:r>
-            <a:rPr lang="en-US" sz="2200" kern="1200" dirty="0"/>
+            <a:rPr lang="en-US" sz="1800" kern="1200" dirty="0"/>
             <a:t>Objective	</a:t>
           </a:r>
-          <a:endParaRPr lang="en-IN" sz="2200" kern="1200" dirty="0"/>
+          <a:endParaRPr lang="en-IN" sz="1800" kern="1200" dirty="0"/>
         </a:p>
       </dsp:txBody>
       <dsp:txXfrm>
-        <a:off x="31070" y="786898"/>
-        <a:ext cx="10453460" cy="574340"/>
+        <a:off x="20561" y="566510"/>
+        <a:ext cx="10474478" cy="380078"/>
       </dsp:txXfrm>
     </dsp:sp>
     <dsp:sp modelId="{2BD7DC87-CA37-457F-B61E-10FF6EBD2DB2}">
@@ -3820,8 +4111,8 @@
       </dsp:nvSpPr>
       <dsp:spPr>
         <a:xfrm>
-          <a:off x="0" y="1490228"/>
-          <a:ext cx="10515600" cy="636480"/>
+          <a:off x="0" y="1018989"/>
+          <a:ext cx="10515600" cy="421200"/>
         </a:xfrm>
         <a:prstGeom prst="roundRect">
           <a:avLst/>
@@ -3829,13 +4120,7 @@
         <a:noFill/>
         <a:ln w="12700" cap="flat" cmpd="sng" algn="ctr">
           <a:solidFill>
-            <a:schemeClr val="dk1">
-              <a:shade val="80000"/>
-              <a:hueOff val="0"/>
-              <a:satOff val="0"/>
-              <a:lumOff val="0"/>
-              <a:alphaOff val="0"/>
-            </a:schemeClr>
+            <a:schemeClr val="dk1"/>
           </a:solidFill>
           <a:prstDash val="solid"/>
           <a:miter lim="800000"/>
@@ -3844,25 +4129,25 @@
       </dsp:spPr>
       <dsp:style>
         <a:lnRef idx="2">
-          <a:scrgbClr r="0" g="0" b="0"/>
+          <a:schemeClr val="dk1"/>
         </a:lnRef>
         <a:fillRef idx="1">
-          <a:scrgbClr r="0" g="0" b="0"/>
+          <a:schemeClr val="lt1"/>
         </a:fillRef>
         <a:effectRef idx="0">
-          <a:scrgbClr r="0" g="0" b="0"/>
+          <a:schemeClr val="dk1"/>
         </a:effectRef>
         <a:fontRef idx="minor">
-          <a:schemeClr val="lt1"/>
+          <a:schemeClr val="dk1"/>
         </a:fontRef>
       </dsp:style>
       <dsp:txBody>
-        <a:bodyPr spcFirstLastPara="0" vert="horz" wrap="square" lIns="83820" tIns="83820" rIns="83820" bIns="83820" numCol="1" spcCol="1270" anchor="ctr" anchorCtr="0">
+        <a:bodyPr spcFirstLastPara="0" vert="horz" wrap="square" lIns="68580" tIns="68580" rIns="68580" bIns="68580" numCol="1" spcCol="1270" anchor="ctr" anchorCtr="0">
           <a:noAutofit/>
         </a:bodyPr>
         <a:lstStyle/>
         <a:p>
-          <a:pPr marL="0" lvl="0" indent="0" algn="l" defTabSz="977900">
+          <a:pPr marL="0" lvl="0" indent="0" algn="l" defTabSz="800100">
             <a:lnSpc>
               <a:spcPct val="90000"/>
             </a:lnSpc>
@@ -3875,15 +4160,15 @@
             <a:buNone/>
           </a:pPr>
           <a:r>
-            <a:rPr lang="en-US" sz="2200" kern="1200" dirty="0"/>
+            <a:rPr lang="en-US" sz="1800" kern="1200" dirty="0"/>
             <a:t>Motivation</a:t>
           </a:r>
-          <a:endParaRPr lang="en-IN" sz="2200" kern="1200" dirty="0"/>
+          <a:endParaRPr lang="en-IN" sz="1800" kern="1200" dirty="0"/>
         </a:p>
       </dsp:txBody>
       <dsp:txXfrm>
-        <a:off x="31070" y="1521298"/>
-        <a:ext cx="10453460" cy="574340"/>
+        <a:off x="20561" y="1039550"/>
+        <a:ext cx="10474478" cy="380078"/>
       </dsp:txXfrm>
     </dsp:sp>
     <dsp:sp modelId="{D5CB0438-ECB7-481B-BC27-05FFF792CE61}">
@@ -3893,8 +4178,8 @@
       </dsp:nvSpPr>
       <dsp:spPr>
         <a:xfrm>
-          <a:off x="0" y="2224629"/>
-          <a:ext cx="10515600" cy="636480"/>
+          <a:off x="0" y="1492029"/>
+          <a:ext cx="10515600" cy="421200"/>
         </a:xfrm>
         <a:prstGeom prst="roundRect">
           <a:avLst/>
@@ -3902,13 +4187,7 @@
         <a:noFill/>
         <a:ln w="12700" cap="flat" cmpd="sng" algn="ctr">
           <a:solidFill>
-            <a:schemeClr val="dk1">
-              <a:shade val="80000"/>
-              <a:hueOff val="0"/>
-              <a:satOff val="0"/>
-              <a:lumOff val="0"/>
-              <a:alphaOff val="0"/>
-            </a:schemeClr>
+            <a:schemeClr val="dk1"/>
           </a:solidFill>
           <a:prstDash val="solid"/>
           <a:miter lim="800000"/>
@@ -3917,25 +4196,25 @@
       </dsp:spPr>
       <dsp:style>
         <a:lnRef idx="2">
-          <a:scrgbClr r="0" g="0" b="0"/>
+          <a:schemeClr val="dk1"/>
         </a:lnRef>
         <a:fillRef idx="1">
-          <a:scrgbClr r="0" g="0" b="0"/>
+          <a:schemeClr val="lt1"/>
         </a:fillRef>
         <a:effectRef idx="0">
-          <a:scrgbClr r="0" g="0" b="0"/>
+          <a:schemeClr val="dk1"/>
         </a:effectRef>
         <a:fontRef idx="minor">
-          <a:schemeClr val="lt1"/>
+          <a:schemeClr val="dk1"/>
         </a:fontRef>
       </dsp:style>
       <dsp:txBody>
-        <a:bodyPr spcFirstLastPara="0" vert="horz" wrap="square" lIns="83820" tIns="83820" rIns="83820" bIns="83820" numCol="1" spcCol="1270" anchor="ctr" anchorCtr="0">
+        <a:bodyPr spcFirstLastPara="0" vert="horz" wrap="square" lIns="68580" tIns="68580" rIns="68580" bIns="68580" numCol="1" spcCol="1270" anchor="ctr" anchorCtr="0">
           <a:noAutofit/>
         </a:bodyPr>
         <a:lstStyle/>
         <a:p>
-          <a:pPr marL="0" lvl="0" indent="0" algn="l" defTabSz="977900">
+          <a:pPr marL="0" lvl="0" indent="0" algn="l" defTabSz="800100">
             <a:lnSpc>
               <a:spcPct val="90000"/>
             </a:lnSpc>
@@ -3948,15 +4227,15 @@
             <a:buNone/>
           </a:pPr>
           <a:r>
-            <a:rPr lang="en-US" sz="2200" kern="1200" dirty="0"/>
+            <a:rPr lang="en-US" sz="1800" kern="1200" dirty="0"/>
             <a:t>Dataset Description</a:t>
           </a:r>
-          <a:endParaRPr lang="en-IN" sz="2200" kern="1200" dirty="0"/>
+          <a:endParaRPr lang="en-IN" sz="1800" kern="1200" dirty="0"/>
         </a:p>
       </dsp:txBody>
       <dsp:txXfrm>
-        <a:off x="31070" y="2255699"/>
-        <a:ext cx="10453460" cy="574340"/>
+        <a:off x="20561" y="1512590"/>
+        <a:ext cx="10474478" cy="380078"/>
       </dsp:txXfrm>
     </dsp:sp>
     <dsp:sp modelId="{DDA405E5-FDA6-4B15-9C0F-C3AAF28F82E4}">
@@ -3966,8 +4245,8 @@
       </dsp:nvSpPr>
       <dsp:spPr>
         <a:xfrm>
-          <a:off x="0" y="2959028"/>
-          <a:ext cx="10515600" cy="636480"/>
+          <a:off x="0" y="1965069"/>
+          <a:ext cx="10515600" cy="421200"/>
         </a:xfrm>
         <a:prstGeom prst="roundRect">
           <a:avLst/>
@@ -3975,13 +4254,7 @@
         <a:noFill/>
         <a:ln w="12700" cap="flat" cmpd="sng" algn="ctr">
           <a:solidFill>
-            <a:schemeClr val="dk1">
-              <a:shade val="80000"/>
-              <a:hueOff val="0"/>
-              <a:satOff val="0"/>
-              <a:lumOff val="0"/>
-              <a:alphaOff val="0"/>
-            </a:schemeClr>
+            <a:schemeClr val="dk1"/>
           </a:solidFill>
           <a:prstDash val="solid"/>
           <a:miter lim="800000"/>
@@ -3990,25 +4263,25 @@
       </dsp:spPr>
       <dsp:style>
         <a:lnRef idx="2">
-          <a:scrgbClr r="0" g="0" b="0"/>
+          <a:schemeClr val="dk1"/>
         </a:lnRef>
         <a:fillRef idx="1">
-          <a:scrgbClr r="0" g="0" b="0"/>
+          <a:schemeClr val="lt1"/>
         </a:fillRef>
         <a:effectRef idx="0">
-          <a:scrgbClr r="0" g="0" b="0"/>
+          <a:schemeClr val="dk1"/>
         </a:effectRef>
         <a:fontRef idx="minor">
-          <a:schemeClr val="lt1"/>
+          <a:schemeClr val="dk1"/>
         </a:fontRef>
       </dsp:style>
       <dsp:txBody>
-        <a:bodyPr spcFirstLastPara="0" vert="horz" wrap="square" lIns="83820" tIns="83820" rIns="83820" bIns="83820" numCol="1" spcCol="1270" anchor="ctr" anchorCtr="0">
+        <a:bodyPr spcFirstLastPara="0" vert="horz" wrap="square" lIns="68580" tIns="68580" rIns="68580" bIns="68580" numCol="1" spcCol="1270" anchor="ctr" anchorCtr="0">
           <a:noAutofit/>
         </a:bodyPr>
         <a:lstStyle/>
         <a:p>
-          <a:pPr marL="0" lvl="0" indent="0" algn="l" defTabSz="977900">
+          <a:pPr marL="0" lvl="0" indent="0" algn="l" defTabSz="800100">
             <a:lnSpc>
               <a:spcPct val="90000"/>
             </a:lnSpc>
@@ -4021,14 +4294,14 @@
             <a:buNone/>
           </a:pPr>
           <a:r>
-            <a:rPr lang="en-IN" sz="2200" kern="1200" dirty="0"/>
+            <a:rPr lang="en-IN" sz="1800" kern="1200" dirty="0"/>
             <a:t>Data Visualisation</a:t>
           </a:r>
         </a:p>
       </dsp:txBody>
       <dsp:txXfrm>
-        <a:off x="31070" y="2990098"/>
-        <a:ext cx="10453460" cy="574340"/>
+        <a:off x="20561" y="1985630"/>
+        <a:ext cx="10474478" cy="380078"/>
       </dsp:txXfrm>
     </dsp:sp>
     <dsp:sp modelId="{38813A74-C17A-49B6-AC79-44BD3FA53302}">
@@ -4038,8 +4311,8 @@
       </dsp:nvSpPr>
       <dsp:spPr>
         <a:xfrm>
-          <a:off x="0" y="3693429"/>
-          <a:ext cx="10515600" cy="636480"/>
+          <a:off x="0" y="2438109"/>
+          <a:ext cx="10515600" cy="421200"/>
         </a:xfrm>
         <a:prstGeom prst="roundRect">
           <a:avLst/>
@@ -4047,13 +4320,7 @@
         <a:noFill/>
         <a:ln w="12700" cap="flat" cmpd="sng" algn="ctr">
           <a:solidFill>
-            <a:schemeClr val="dk1">
-              <a:shade val="80000"/>
-              <a:hueOff val="0"/>
-              <a:satOff val="0"/>
-              <a:lumOff val="0"/>
-              <a:alphaOff val="0"/>
-            </a:schemeClr>
+            <a:schemeClr val="dk1"/>
           </a:solidFill>
           <a:prstDash val="solid"/>
           <a:miter lim="800000"/>
@@ -4062,25 +4329,25 @@
       </dsp:spPr>
       <dsp:style>
         <a:lnRef idx="2">
-          <a:scrgbClr r="0" g="0" b="0"/>
+          <a:schemeClr val="dk1"/>
         </a:lnRef>
         <a:fillRef idx="1">
-          <a:scrgbClr r="0" g="0" b="0"/>
+          <a:schemeClr val="lt1"/>
         </a:fillRef>
         <a:effectRef idx="0">
-          <a:scrgbClr r="0" g="0" b="0"/>
+          <a:schemeClr val="dk1"/>
         </a:effectRef>
         <a:fontRef idx="minor">
-          <a:schemeClr val="lt1"/>
+          <a:schemeClr val="dk1"/>
         </a:fontRef>
       </dsp:style>
       <dsp:txBody>
-        <a:bodyPr spcFirstLastPara="0" vert="horz" wrap="square" lIns="83820" tIns="83820" rIns="83820" bIns="83820" numCol="1" spcCol="1270" anchor="ctr" anchorCtr="0">
+        <a:bodyPr spcFirstLastPara="0" vert="horz" wrap="square" lIns="68580" tIns="68580" rIns="68580" bIns="68580" numCol="1" spcCol="1270" anchor="ctr" anchorCtr="0">
           <a:noAutofit/>
         </a:bodyPr>
         <a:lstStyle/>
         <a:p>
-          <a:pPr marL="0" lvl="0" indent="0" algn="l" defTabSz="977900">
+          <a:pPr marL="0" lvl="0" indent="0" algn="l" defTabSz="800100">
             <a:lnSpc>
               <a:spcPct val="90000"/>
             </a:lnSpc>
@@ -4093,14 +4360,215 @@
             <a:buNone/>
           </a:pPr>
           <a:r>
-            <a:rPr lang="en-IN" sz="2200" kern="1200" dirty="0"/>
+            <a:rPr lang="en-IN" sz="1800" kern="1200" dirty="0"/>
             <a:t>Preparing the Data to feed into the Model</a:t>
           </a:r>
         </a:p>
       </dsp:txBody>
       <dsp:txXfrm>
-        <a:off x="31070" y="3724499"/>
-        <a:ext cx="10453460" cy="574340"/>
+        <a:off x="20561" y="2458670"/>
+        <a:ext cx="10474478" cy="380078"/>
+      </dsp:txXfrm>
+    </dsp:sp>
+    <dsp:sp modelId="{39224838-96D4-4FB1-B413-E61F32B334CA}">
+      <dsp:nvSpPr>
+        <dsp:cNvPr id="0" name=""/>
+        <dsp:cNvSpPr/>
+      </dsp:nvSpPr>
+      <dsp:spPr>
+        <a:xfrm>
+          <a:off x="0" y="2911149"/>
+          <a:ext cx="10515600" cy="421200"/>
+        </a:xfrm>
+        <a:prstGeom prst="roundRect">
+          <a:avLst/>
+        </a:prstGeom>
+        <a:noFill/>
+        <a:ln w="12700" cap="flat" cmpd="sng" algn="ctr">
+          <a:solidFill>
+            <a:schemeClr val="dk1"/>
+          </a:solidFill>
+          <a:prstDash val="solid"/>
+          <a:miter lim="800000"/>
+        </a:ln>
+        <a:effectLst/>
+      </dsp:spPr>
+      <dsp:style>
+        <a:lnRef idx="2">
+          <a:schemeClr val="dk1"/>
+        </a:lnRef>
+        <a:fillRef idx="1">
+          <a:schemeClr val="lt1"/>
+        </a:fillRef>
+        <a:effectRef idx="0">
+          <a:schemeClr val="dk1"/>
+        </a:effectRef>
+        <a:fontRef idx="minor">
+          <a:schemeClr val="dk1"/>
+        </a:fontRef>
+      </dsp:style>
+      <dsp:txBody>
+        <a:bodyPr spcFirstLastPara="0" vert="horz" wrap="square" lIns="68580" tIns="68580" rIns="68580" bIns="68580" numCol="1" spcCol="1270" anchor="ctr" anchorCtr="0">
+          <a:noAutofit/>
+        </a:bodyPr>
+        <a:lstStyle/>
+        <a:p>
+          <a:pPr marL="0" lvl="0" indent="0" algn="l" defTabSz="800100">
+            <a:lnSpc>
+              <a:spcPct val="90000"/>
+            </a:lnSpc>
+            <a:spcBef>
+              <a:spcPct val="0"/>
+            </a:spcBef>
+            <a:spcAft>
+              <a:spcPct val="35000"/>
+            </a:spcAft>
+            <a:buNone/>
+          </a:pPr>
+          <a:r>
+            <a:rPr lang="en-US" sz="1800" kern="1200" dirty="0"/>
+            <a:t>The Model</a:t>
+          </a:r>
+          <a:endParaRPr lang="en-IN" sz="1800" kern="1200" dirty="0"/>
+        </a:p>
+      </dsp:txBody>
+      <dsp:txXfrm>
+        <a:off x="20561" y="2931710"/>
+        <a:ext cx="10474478" cy="380078"/>
+      </dsp:txXfrm>
+    </dsp:sp>
+    <dsp:sp modelId="{FBCE99ED-4B38-4B29-8EB7-DC55D72BD4FB}">
+      <dsp:nvSpPr>
+        <dsp:cNvPr id="0" name=""/>
+        <dsp:cNvSpPr/>
+      </dsp:nvSpPr>
+      <dsp:spPr>
+        <a:xfrm>
+          <a:off x="0" y="3384189"/>
+          <a:ext cx="10515600" cy="421200"/>
+        </a:xfrm>
+        <a:prstGeom prst="roundRect">
+          <a:avLst/>
+        </a:prstGeom>
+        <a:noFill/>
+        <a:ln w="12700" cap="flat" cmpd="sng" algn="ctr">
+          <a:solidFill>
+            <a:schemeClr val="dk1"/>
+          </a:solidFill>
+          <a:prstDash val="solid"/>
+          <a:miter lim="800000"/>
+        </a:ln>
+        <a:effectLst/>
+      </dsp:spPr>
+      <dsp:style>
+        <a:lnRef idx="2">
+          <a:schemeClr val="dk1"/>
+        </a:lnRef>
+        <a:fillRef idx="1">
+          <a:schemeClr val="lt1"/>
+        </a:fillRef>
+        <a:effectRef idx="0">
+          <a:schemeClr val="dk1"/>
+        </a:effectRef>
+        <a:fontRef idx="minor">
+          <a:schemeClr val="dk1"/>
+        </a:fontRef>
+      </dsp:style>
+      <dsp:txBody>
+        <a:bodyPr spcFirstLastPara="0" vert="horz" wrap="square" lIns="68580" tIns="68580" rIns="68580" bIns="68580" numCol="1" spcCol="1270" anchor="ctr" anchorCtr="0">
+          <a:noAutofit/>
+        </a:bodyPr>
+        <a:lstStyle/>
+        <a:p>
+          <a:pPr marL="0" lvl="0" indent="0" algn="l" defTabSz="800100">
+            <a:lnSpc>
+              <a:spcPct val="90000"/>
+            </a:lnSpc>
+            <a:spcBef>
+              <a:spcPct val="0"/>
+            </a:spcBef>
+            <a:spcAft>
+              <a:spcPct val="35000"/>
+            </a:spcAft>
+            <a:buNone/>
+          </a:pPr>
+          <a:r>
+            <a:rPr lang="en-US" sz="1800" kern="1200" dirty="0"/>
+            <a:t>Training</a:t>
+          </a:r>
+          <a:endParaRPr lang="en-IN" sz="1800" kern="1200" dirty="0"/>
+        </a:p>
+      </dsp:txBody>
+      <dsp:txXfrm>
+        <a:off x="20561" y="3404750"/>
+        <a:ext cx="10474478" cy="380078"/>
+      </dsp:txXfrm>
+    </dsp:sp>
+    <dsp:sp modelId="{03D57C55-4BE4-49C6-B401-8CB9A1DEEC94}">
+      <dsp:nvSpPr>
+        <dsp:cNvPr id="0" name=""/>
+        <dsp:cNvSpPr/>
+      </dsp:nvSpPr>
+      <dsp:spPr>
+        <a:xfrm>
+          <a:off x="0" y="3857229"/>
+          <a:ext cx="10515600" cy="421200"/>
+        </a:xfrm>
+        <a:prstGeom prst="roundRect">
+          <a:avLst/>
+        </a:prstGeom>
+        <a:noFill/>
+        <a:ln w="12700" cap="flat" cmpd="sng" algn="ctr">
+          <a:solidFill>
+            <a:schemeClr val="dk1"/>
+          </a:solidFill>
+          <a:prstDash val="solid"/>
+          <a:miter lim="800000"/>
+        </a:ln>
+        <a:effectLst/>
+      </dsp:spPr>
+      <dsp:style>
+        <a:lnRef idx="2">
+          <a:schemeClr val="dk1"/>
+        </a:lnRef>
+        <a:fillRef idx="1">
+          <a:schemeClr val="lt1"/>
+        </a:fillRef>
+        <a:effectRef idx="0">
+          <a:schemeClr val="dk1"/>
+        </a:effectRef>
+        <a:fontRef idx="minor">
+          <a:schemeClr val="dk1"/>
+        </a:fontRef>
+      </dsp:style>
+      <dsp:txBody>
+        <a:bodyPr spcFirstLastPara="0" vert="horz" wrap="square" lIns="68580" tIns="68580" rIns="68580" bIns="68580" numCol="1" spcCol="1270" anchor="ctr" anchorCtr="0">
+          <a:noAutofit/>
+        </a:bodyPr>
+        <a:lstStyle/>
+        <a:p>
+          <a:pPr marL="0" lvl="0" indent="0" algn="l" defTabSz="800100">
+            <a:lnSpc>
+              <a:spcPct val="90000"/>
+            </a:lnSpc>
+            <a:spcBef>
+              <a:spcPct val="0"/>
+            </a:spcBef>
+            <a:spcAft>
+              <a:spcPct val="35000"/>
+            </a:spcAft>
+            <a:buNone/>
+          </a:pPr>
+          <a:r>
+            <a:rPr lang="en-US" sz="1800" kern="1200" dirty="0"/>
+            <a:t>Results</a:t>
+          </a:r>
+          <a:endParaRPr lang="en-IN" sz="1800" kern="1200" dirty="0"/>
+        </a:p>
+      </dsp:txBody>
+      <dsp:txXfrm>
+        <a:off x="20561" y="3877790"/>
+        <a:ext cx="10474478" cy="380078"/>
       </dsp:txXfrm>
     </dsp:sp>
   </dsp:spTree>
@@ -11168,7 +11636,7 @@
           <a:p>
             <a:fld id="{5F71AB72-B2C5-44B5-90C7-8DCE8540FC7A}" type="datetimeFigureOut">
               <a:rPr lang="en-IN" smtClean="0"/>
-              <a:t>07-07-2020</a:t>
+              <a:t>08-07-2020</a:t>
             </a:fld>
             <a:endParaRPr lang="en-IN"/>
           </a:p>
@@ -11371,7 +11839,7 @@
           <a:p>
             <a:fld id="{5F71AB72-B2C5-44B5-90C7-8DCE8540FC7A}" type="datetimeFigureOut">
               <a:rPr lang="en-IN" smtClean="0"/>
-              <a:t>07-07-2020</a:t>
+              <a:t>08-07-2020</a:t>
             </a:fld>
             <a:endParaRPr lang="en-IN"/>
           </a:p>
@@ -11584,7 +12052,7 @@
           <a:p>
             <a:fld id="{5F71AB72-B2C5-44B5-90C7-8DCE8540FC7A}" type="datetimeFigureOut">
               <a:rPr lang="en-IN" smtClean="0"/>
-              <a:t>07-07-2020</a:t>
+              <a:t>08-07-2020</a:t>
             </a:fld>
             <a:endParaRPr lang="en-IN"/>
           </a:p>
@@ -11787,7 +12255,7 @@
           <a:p>
             <a:fld id="{5F71AB72-B2C5-44B5-90C7-8DCE8540FC7A}" type="datetimeFigureOut">
               <a:rPr lang="en-IN" smtClean="0"/>
-              <a:t>07-07-2020</a:t>
+              <a:t>08-07-2020</a:t>
             </a:fld>
             <a:endParaRPr lang="en-IN"/>
           </a:p>
@@ -12066,7 +12534,7 @@
           <a:p>
             <a:fld id="{5F71AB72-B2C5-44B5-90C7-8DCE8540FC7A}" type="datetimeFigureOut">
               <a:rPr lang="en-IN" smtClean="0"/>
-              <a:t>07-07-2020</a:t>
+              <a:t>08-07-2020</a:t>
             </a:fld>
             <a:endParaRPr lang="en-IN"/>
           </a:p>
@@ -12337,7 +12805,7 @@
           <a:p>
             <a:fld id="{5F71AB72-B2C5-44B5-90C7-8DCE8540FC7A}" type="datetimeFigureOut">
               <a:rPr lang="en-IN" smtClean="0"/>
-              <a:t>07-07-2020</a:t>
+              <a:t>08-07-2020</a:t>
             </a:fld>
             <a:endParaRPr lang="en-IN"/>
           </a:p>
@@ -12759,7 +13227,7 @@
           <a:p>
             <a:fld id="{5F71AB72-B2C5-44B5-90C7-8DCE8540FC7A}" type="datetimeFigureOut">
               <a:rPr lang="en-IN" smtClean="0"/>
-              <a:t>07-07-2020</a:t>
+              <a:t>08-07-2020</a:t>
             </a:fld>
             <a:endParaRPr lang="en-IN"/>
           </a:p>
@@ -12904,7 +13372,7 @@
           <a:p>
             <a:fld id="{5F71AB72-B2C5-44B5-90C7-8DCE8540FC7A}" type="datetimeFigureOut">
               <a:rPr lang="en-IN" smtClean="0"/>
-              <a:t>07-07-2020</a:t>
+              <a:t>08-07-2020</a:t>
             </a:fld>
             <a:endParaRPr lang="en-IN"/>
           </a:p>
@@ -13020,7 +13488,7 @@
           <a:p>
             <a:fld id="{5F71AB72-B2C5-44B5-90C7-8DCE8540FC7A}" type="datetimeFigureOut">
               <a:rPr lang="en-IN" smtClean="0"/>
-              <a:t>07-07-2020</a:t>
+              <a:t>08-07-2020</a:t>
             </a:fld>
             <a:endParaRPr lang="en-IN"/>
           </a:p>
@@ -13336,7 +13804,7 @@
           <a:p>
             <a:fld id="{5F71AB72-B2C5-44B5-90C7-8DCE8540FC7A}" type="datetimeFigureOut">
               <a:rPr lang="en-IN" smtClean="0"/>
-              <a:t>07-07-2020</a:t>
+              <a:t>08-07-2020</a:t>
             </a:fld>
             <a:endParaRPr lang="en-IN"/>
           </a:p>
@@ -13628,7 +14096,7 @@
           <a:p>
             <a:fld id="{5F71AB72-B2C5-44B5-90C7-8DCE8540FC7A}" type="datetimeFigureOut">
               <a:rPr lang="en-IN" smtClean="0"/>
-              <a:t>07-07-2020</a:t>
+              <a:t>08-07-2020</a:t>
             </a:fld>
             <a:endParaRPr lang="en-IN"/>
           </a:p>
@@ -13893,7 +14361,7 @@
           <a:p>
             <a:fld id="{5F71AB72-B2C5-44B5-90C7-8DCE8540FC7A}" type="datetimeFigureOut">
               <a:rPr lang="en-IN" smtClean="0"/>
-              <a:t>07-07-2020</a:t>
+              <a:t>08-07-2020</a:t>
             </a:fld>
             <a:endParaRPr lang="en-IN"/>
           </a:p>
@@ -16699,7 +17167,7 @@
             <p:ph idx="1"/>
             <p:extLst>
               <p:ext uri="{D42A27DB-BD31-4B8C-83A1-F6EECF244321}">
-                <p14:modId xmlns:p14="http://schemas.microsoft.com/office/powerpoint/2010/main" val="1535973730"/>
+                <p14:modId xmlns:p14="http://schemas.microsoft.com/office/powerpoint/2010/main" val="3885558636"/>
               </p:ext>
             </p:extLst>
           </p:nvPr>
